--- a/presentation.pptx
+++ b/presentation.pptx
@@ -210,7 +210,7 @@
           <a:p>
             <a:fld id="{0E6EA6C2-9023-0144-987B-91EE397B49CA}" type="datetimeFigureOut">
               <a:rPr lang="en-RU" smtClean="0"/>
-              <a:t>14.03.2024</a:t>
+              <a:t>07/11/2024</a:t>
             </a:fld>
             <a:endParaRPr lang="en-RU"/>
           </a:p>
@@ -711,7 +711,7 @@
           <a:p>
             <a:fld id="{D6D49DAD-BAC9-2048-ABEC-1467D6A5D74A}" type="datetimeFigureOut">
               <a:rPr lang="en-RU" smtClean="0"/>
-              <a:t>14.03.2024</a:t>
+              <a:t>07/11/2024</a:t>
             </a:fld>
             <a:endParaRPr lang="en-RU"/>
           </a:p>
@@ -911,7 +911,7 @@
           <a:p>
             <a:fld id="{D6D49DAD-BAC9-2048-ABEC-1467D6A5D74A}" type="datetimeFigureOut">
               <a:rPr lang="en-RU" smtClean="0"/>
-              <a:t>14.03.2024</a:t>
+              <a:t>07/11/2024</a:t>
             </a:fld>
             <a:endParaRPr lang="en-RU"/>
           </a:p>
@@ -1121,7 +1121,7 @@
           <a:p>
             <a:fld id="{D6D49DAD-BAC9-2048-ABEC-1467D6A5D74A}" type="datetimeFigureOut">
               <a:rPr lang="en-RU" smtClean="0"/>
-              <a:t>14.03.2024</a:t>
+              <a:t>07/11/2024</a:t>
             </a:fld>
             <a:endParaRPr lang="en-RU"/>
           </a:p>
@@ -1321,7 +1321,7 @@
           <a:p>
             <a:fld id="{D6D49DAD-BAC9-2048-ABEC-1467D6A5D74A}" type="datetimeFigureOut">
               <a:rPr lang="en-RU" smtClean="0"/>
-              <a:t>14.03.2024</a:t>
+              <a:t>07/11/2024</a:t>
             </a:fld>
             <a:endParaRPr lang="en-RU"/>
           </a:p>
@@ -1597,7 +1597,7 @@
           <a:p>
             <a:fld id="{D6D49DAD-BAC9-2048-ABEC-1467D6A5D74A}" type="datetimeFigureOut">
               <a:rPr lang="en-RU" smtClean="0"/>
-              <a:t>14.03.2024</a:t>
+              <a:t>07/11/2024</a:t>
             </a:fld>
             <a:endParaRPr lang="en-RU"/>
           </a:p>
@@ -1865,7 +1865,7 @@
           <a:p>
             <a:fld id="{D6D49DAD-BAC9-2048-ABEC-1467D6A5D74A}" type="datetimeFigureOut">
               <a:rPr lang="en-RU" smtClean="0"/>
-              <a:t>14.03.2024</a:t>
+              <a:t>07/11/2024</a:t>
             </a:fld>
             <a:endParaRPr lang="en-RU"/>
           </a:p>
@@ -2280,7 +2280,7 @@
           <a:p>
             <a:fld id="{D6D49DAD-BAC9-2048-ABEC-1467D6A5D74A}" type="datetimeFigureOut">
               <a:rPr lang="en-RU" smtClean="0"/>
-              <a:t>14.03.2024</a:t>
+              <a:t>07/11/2024</a:t>
             </a:fld>
             <a:endParaRPr lang="en-RU"/>
           </a:p>
@@ -2422,7 +2422,7 @@
           <a:p>
             <a:fld id="{D6D49DAD-BAC9-2048-ABEC-1467D6A5D74A}" type="datetimeFigureOut">
               <a:rPr lang="en-RU" smtClean="0"/>
-              <a:t>14.03.2024</a:t>
+              <a:t>07/11/2024</a:t>
             </a:fld>
             <a:endParaRPr lang="en-RU"/>
           </a:p>
@@ -2535,7 +2535,7 @@
           <a:p>
             <a:fld id="{D6D49DAD-BAC9-2048-ABEC-1467D6A5D74A}" type="datetimeFigureOut">
               <a:rPr lang="en-RU" smtClean="0"/>
-              <a:t>14.03.2024</a:t>
+              <a:t>07/11/2024</a:t>
             </a:fld>
             <a:endParaRPr lang="en-RU"/>
           </a:p>
@@ -2848,7 +2848,7 @@
           <a:p>
             <a:fld id="{D6D49DAD-BAC9-2048-ABEC-1467D6A5D74A}" type="datetimeFigureOut">
               <a:rPr lang="en-RU" smtClean="0"/>
-              <a:t>14.03.2024</a:t>
+              <a:t>07/11/2024</a:t>
             </a:fld>
             <a:endParaRPr lang="en-RU"/>
           </a:p>
@@ -3137,7 +3137,7 @@
           <a:p>
             <a:fld id="{D6D49DAD-BAC9-2048-ABEC-1467D6A5D74A}" type="datetimeFigureOut">
               <a:rPr lang="en-RU" smtClean="0"/>
-              <a:t>14.03.2024</a:t>
+              <a:t>07/11/2024</a:t>
             </a:fld>
             <a:endParaRPr lang="en-RU"/>
           </a:p>
@@ -3380,7 +3380,7 @@
           <a:p>
             <a:fld id="{D6D49DAD-BAC9-2048-ABEC-1467D6A5D74A}" type="datetimeFigureOut">
               <a:rPr lang="en-RU" smtClean="0"/>
-              <a:t>14.03.2024</a:t>
+              <a:t>07/11/2024</a:t>
             </a:fld>
             <a:endParaRPr lang="en-RU"/>
           </a:p>
@@ -4941,11 +4941,18 @@
               <a:buAutoNum type="arabicParenR"/>
             </a:pPr>
             <a:r>
+              <a:rPr lang="en-RU">
+                <a:ea typeface="Helvetica Neue" panose="02000503000000020004" pitchFamily="2" charset="0"/>
+                <a:cs typeface="Helvetica Neue" panose="02000503000000020004" pitchFamily="2" charset="0"/>
+              </a:rPr>
+              <a:t>PPO </a:t>
+            </a:r>
+            <a:r>
               <a:rPr lang="en-RU" dirty="0">
                 <a:ea typeface="Helvetica Neue" panose="02000503000000020004" pitchFamily="2" charset="0"/>
                 <a:cs typeface="Helvetica Neue" panose="02000503000000020004" pitchFamily="2" charset="0"/>
               </a:rPr>
-              <a:t>To be finished: PPO agent</a:t>
+              <a:t>agent</a:t>
             </a:r>
             <a:r>
               <a:rPr lang="ru-RU" dirty="0">
